--- a/Smartbooze.pptx
+++ b/Smartbooze.pptx
@@ -411,7 +411,7 @@
           <a:p>
             <a:fld id="{326951E3-958F-4611-B170-D081BA0250F9}" type="datetimeFigureOut">
               <a:rPr lang="en-US" smtClean="0"/>
-              <a:t>2/3/2022</a:t>
+              <a:t>2/4/2022</a:t>
             </a:fld>
             <a:endParaRPr lang="en-US"/>
           </a:p>
@@ -609,7 +609,7 @@
           <a:p>
             <a:fld id="{326951E3-958F-4611-B170-D081BA0250F9}" type="datetimeFigureOut">
               <a:rPr lang="en-US" smtClean="0"/>
-              <a:t>2/3/2022</a:t>
+              <a:t>2/4/2022</a:t>
             </a:fld>
             <a:endParaRPr lang="en-US"/>
           </a:p>
@@ -817,7 +817,7 @@
           <a:p>
             <a:fld id="{326951E3-958F-4611-B170-D081BA0250F9}" type="datetimeFigureOut">
               <a:rPr lang="en-US" smtClean="0"/>
-              <a:t>2/3/2022</a:t>
+              <a:t>2/4/2022</a:t>
             </a:fld>
             <a:endParaRPr lang="en-US"/>
           </a:p>
@@ -1015,7 +1015,7 @@
           <a:p>
             <a:fld id="{326951E3-958F-4611-B170-D081BA0250F9}" type="datetimeFigureOut">
               <a:rPr lang="en-US" smtClean="0"/>
-              <a:t>2/3/2022</a:t>
+              <a:t>2/4/2022</a:t>
             </a:fld>
             <a:endParaRPr lang="en-US"/>
           </a:p>
@@ -1292,7 +1292,7 @@
           <a:p>
             <a:fld id="{326951E3-958F-4611-B170-D081BA0250F9}" type="datetimeFigureOut">
               <a:rPr lang="en-US" smtClean="0"/>
-              <a:t>2/3/2022</a:t>
+              <a:t>2/4/2022</a:t>
             </a:fld>
             <a:endParaRPr lang="en-US"/>
           </a:p>
@@ -1557,7 +1557,7 @@
           <a:p>
             <a:fld id="{326951E3-958F-4611-B170-D081BA0250F9}" type="datetimeFigureOut">
               <a:rPr lang="en-US" smtClean="0"/>
-              <a:t>2/3/2022</a:t>
+              <a:t>2/4/2022</a:t>
             </a:fld>
             <a:endParaRPr lang="en-US"/>
           </a:p>
@@ -1979,7 +1979,7 @@
           <a:p>
             <a:fld id="{326951E3-958F-4611-B170-D081BA0250F9}" type="datetimeFigureOut">
               <a:rPr lang="en-US" smtClean="0"/>
-              <a:t>2/3/2022</a:t>
+              <a:t>2/4/2022</a:t>
             </a:fld>
             <a:endParaRPr lang="en-US"/>
           </a:p>
@@ -2131,7 +2131,7 @@
           <a:p>
             <a:fld id="{326951E3-958F-4611-B170-D081BA0250F9}" type="datetimeFigureOut">
               <a:rPr lang="en-US" smtClean="0"/>
-              <a:t>2/3/2022</a:t>
+              <a:t>2/4/2022</a:t>
             </a:fld>
             <a:endParaRPr lang="en-US"/>
           </a:p>
@@ -2244,7 +2244,7 @@
           <a:p>
             <a:fld id="{326951E3-958F-4611-B170-D081BA0250F9}" type="datetimeFigureOut">
               <a:rPr lang="en-US" smtClean="0"/>
-              <a:t>2/3/2022</a:t>
+              <a:t>2/4/2022</a:t>
             </a:fld>
             <a:endParaRPr lang="en-US"/>
           </a:p>
@@ -2562,7 +2562,7 @@
           <a:p>
             <a:fld id="{326951E3-958F-4611-B170-D081BA0250F9}" type="datetimeFigureOut">
               <a:rPr lang="en-US" smtClean="0"/>
-              <a:t>2/3/2022</a:t>
+              <a:t>2/4/2022</a:t>
             </a:fld>
             <a:endParaRPr lang="en-US"/>
           </a:p>
@@ -2898,7 +2898,7 @@
           <a:p>
             <a:fld id="{326951E3-958F-4611-B170-D081BA0250F9}" type="datetimeFigureOut">
               <a:rPr lang="en-US" smtClean="0"/>
-              <a:t>2/3/2022</a:t>
+              <a:t>2/4/2022</a:t>
             </a:fld>
             <a:endParaRPr lang="en-US"/>
           </a:p>
@@ -3187,7 +3187,7 @@
             <a:fld id="{326951E3-958F-4611-B170-D081BA0250F9}" type="datetimeFigureOut">
               <a:rPr lang="en-US" smtClean="0"/>
               <a:pPr/>
-              <a:t>2/3/2022</a:t>
+              <a:t>2/4/2022</a:t>
             </a:fld>
             <a:endParaRPr lang="en-US" dirty="0"/>
           </a:p>
@@ -3665,7 +3665,7 @@
                 <a16:creationId xmlns:a16="http://schemas.microsoft.com/office/drawing/2014/main" id="{51C0BCA8-B9D5-4F84-B063-ABE683EE04E1}"/>
               </a:ext>
               <a:ext uri="{C183D7F6-B498-43B3-948B-1728B52AA6E4}">
-                <adec:decorative xmlns="" xmlns:adec="http://schemas.microsoft.com/office/drawing/2017/decorative" val="1"/>
+                <adec:decorative xmlns:adec="http://schemas.microsoft.com/office/drawing/2017/decorative" val="1"/>
               </a:ext>
             </a:extLst>
           </p:cNvPr>
@@ -3760,7 +3760,7 @@
                 <a16:creationId xmlns:a16="http://schemas.microsoft.com/office/drawing/2014/main" id="{3148D7B7-CAFA-4089-A365-6371A76FE4A6}"/>
               </a:ext>
               <a:ext uri="{C183D7F6-B498-43B3-948B-1728B52AA6E4}">
-                <adec:decorative xmlns="" xmlns:adec="http://schemas.microsoft.com/office/drawing/2017/decorative" val="1"/>
+                <adec:decorative xmlns:adec="http://schemas.microsoft.com/office/drawing/2017/decorative" val="1"/>
               </a:ext>
             </a:extLst>
           </p:cNvPr>
@@ -4033,7 +4033,7 @@
                 <a16:creationId xmlns:a16="http://schemas.microsoft.com/office/drawing/2014/main" id="{7476E355-DC49-4AFB-88DE-62B854B9B315}"/>
               </a:ext>
               <a:ext uri="{C183D7F6-B498-43B3-948B-1728B52AA6E4}">
-                <adec:decorative xmlns="" xmlns:adec="http://schemas.microsoft.com/office/drawing/2017/decorative" val="1"/>
+                <adec:decorative xmlns:adec="http://schemas.microsoft.com/office/drawing/2017/decorative" val="1"/>
               </a:ext>
             </a:extLst>
           </p:cNvPr>
@@ -4087,13 +4087,6 @@
   <p:clrMapOvr>
     <a:masterClrMapping/>
   </p:clrMapOvr>
-  <p:timing>
-    <p:tnLst>
-      <p:par>
-        <p:cTn id="1" dur="indefinite" restart="never" nodeType="tmRoot"/>
-      </p:par>
-    </p:tnLst>
-  </p:timing>
 </p:sld>
 </file>
 
@@ -4167,45 +4160,34 @@
           <a:p>
             <a:r>
               <a:rPr lang="de-DE" dirty="0"/>
-              <a:t>Smarter </a:t>
-            </a:r>
-            <a:r>
-              <a:rPr lang="de-DE" dirty="0" smtClean="0"/>
-              <a:t>Alkoholtest</a:t>
-            </a:r>
-            <a:endParaRPr lang="de-DE" dirty="0"/>
+              <a:t>Smarter Alkoholtest</a:t>
+            </a:r>
           </a:p>
           <a:p>
             <a:r>
               <a:rPr lang="de-DE" dirty="0"/>
-              <a:t>Aufzeichnung der </a:t>
-            </a:r>
-            <a:r>
-              <a:rPr lang="de-DE" dirty="0" smtClean="0"/>
-              <a:t>Promille-Werte</a:t>
-            </a:r>
-          </a:p>
-          <a:p>
-            <a:r>
-              <a:rPr lang="de-DE" dirty="0" smtClean="0"/>
+              <a:t>Aufzeichnung der Promille-Werte</a:t>
+            </a:r>
+          </a:p>
+          <a:p>
+            <a:r>
+              <a:rPr lang="de-DE" dirty="0"/>
               <a:t>Applikation</a:t>
             </a:r>
-            <a:endParaRPr lang="de-DE" dirty="0"/>
-          </a:p>
-          <a:p>
-            <a:r>
-              <a:rPr lang="de-DE" dirty="0" smtClean="0"/>
+          </a:p>
+          <a:p>
+            <a:r>
+              <a:rPr lang="de-DE" dirty="0"/>
               <a:t>Cloud-Anbindung</a:t>
             </a:r>
-            <a:endParaRPr lang="de-DE" dirty="0"/>
-          </a:p>
-          <a:p>
-            <a:r>
-              <a:rPr lang="de-DE" dirty="0" smtClean="0"/>
+          </a:p>
+          <a:p>
+            <a:r>
+              <a:rPr lang="de-DE" dirty="0"/>
               <a:t>Alexa-</a:t>
             </a:r>
             <a:r>
-              <a:rPr lang="de-DE" dirty="0" err="1" smtClean="0"/>
+              <a:rPr lang="de-DE" dirty="0" err="1"/>
               <a:t>Skill</a:t>
             </a:r>
             <a:endParaRPr lang="de-DE" dirty="0"/>
@@ -4228,13 +4210,6 @@
   <p:clrMapOvr>
     <a:masterClrMapping/>
   </p:clrMapOvr>
-  <p:timing>
-    <p:tnLst>
-      <p:par>
-        <p:cTn id="1" dur="indefinite" restart="never" nodeType="tmRoot"/>
-      </p:par>
-    </p:tnLst>
-  </p:timing>
 </p:sld>
 </file>
 
@@ -4271,10 +4246,9 @@
           <a:lstStyle/>
           <a:p>
             <a:r>
-              <a:rPr lang="de-DE" dirty="0" smtClean="0"/>
+              <a:rPr lang="de-DE" dirty="0"/>
               <a:t>Mögliche App Features	</a:t>
             </a:r>
-            <a:endParaRPr lang="de-DE" dirty="0"/>
           </a:p>
         </p:txBody>
       </p:sp>
@@ -4296,62 +4270,45 @@
           <a:lstStyle/>
           <a:p>
             <a:r>
-              <a:rPr lang="de-DE" dirty="0" smtClean="0"/>
-              <a:t>Anzeigen des aktuellen (berechneten) </a:t>
-            </a:r>
-            <a:r>
-              <a:rPr lang="de-DE" dirty="0" smtClean="0"/>
-              <a:t>Promillewertes</a:t>
-            </a:r>
-          </a:p>
-          <a:p>
-            <a:endParaRPr lang="de-DE" dirty="0" smtClean="0"/>
-          </a:p>
-          <a:p>
-            <a:r>
-              <a:rPr lang="de-DE" dirty="0" smtClean="0"/>
-              <a:t>Kalendereintrag, um den Alkoholkonsum zu analysieren und ggf. zu </a:t>
-            </a:r>
-            <a:r>
-              <a:rPr lang="de-DE" dirty="0" smtClean="0"/>
-              <a:t>verringern</a:t>
-            </a:r>
-          </a:p>
-          <a:p>
-            <a:endParaRPr lang="de-DE" dirty="0" smtClean="0"/>
-          </a:p>
-          <a:p>
-            <a:r>
-              <a:rPr lang="de-DE" dirty="0" smtClean="0"/>
-              <a:t>Punkte-System, in dem man für längere Abstinenz belohnt </a:t>
-            </a:r>
-            <a:r>
-              <a:rPr lang="de-DE" dirty="0" smtClean="0"/>
-              <a:t>wird</a:t>
-            </a:r>
-          </a:p>
-          <a:p>
-            <a:endParaRPr lang="de-DE" dirty="0" smtClean="0"/>
-          </a:p>
-          <a:p>
-            <a:r>
-              <a:rPr lang="de-DE" dirty="0" smtClean="0"/>
-              <a:t>Ranking und Freunde -&gt; Wer weniger trinkt </a:t>
-            </a:r>
-            <a:r>
-              <a:rPr lang="de-DE" dirty="0" smtClean="0"/>
-              <a:t>gewinnt</a:t>
-            </a:r>
-          </a:p>
-          <a:p>
-            <a:endParaRPr lang="de-DE" dirty="0" smtClean="0"/>
-          </a:p>
-          <a:p>
-            <a:r>
-              <a:rPr lang="de-DE" dirty="0" smtClean="0"/>
+              <a:rPr lang="de-DE" dirty="0"/>
+              <a:t>Anzeigen des aktuellen (berechneten) Promillewertes</a:t>
+            </a:r>
+          </a:p>
+          <a:p>
+            <a:endParaRPr lang="de-DE" dirty="0"/>
+          </a:p>
+          <a:p>
+            <a:r>
+              <a:rPr lang="de-DE" dirty="0"/>
+              <a:t>Kalendereintrag, um den Alkoholkonsum zu analysieren und ggf. zu verringern</a:t>
+            </a:r>
+          </a:p>
+          <a:p>
+            <a:endParaRPr lang="de-DE" dirty="0"/>
+          </a:p>
+          <a:p>
+            <a:r>
+              <a:rPr lang="de-DE" dirty="0"/>
+              <a:t>Punkte-System, in dem man für längere Abstinenz belohnt wird</a:t>
+            </a:r>
+          </a:p>
+          <a:p>
+            <a:endParaRPr lang="de-DE" dirty="0"/>
+          </a:p>
+          <a:p>
+            <a:r>
+              <a:rPr lang="de-DE" dirty="0"/>
+              <a:t>Ranking und Freunde -&gt; Wer weniger trinkt gewinnt</a:t>
+            </a:r>
+          </a:p>
+          <a:p>
+            <a:endParaRPr lang="de-DE" dirty="0"/>
+          </a:p>
+          <a:p>
+            <a:r>
+              <a:rPr lang="de-DE" dirty="0"/>
               <a:t>Katerrezepte</a:t>
             </a:r>
-            <a:endParaRPr lang="de-DE" dirty="0" smtClean="0"/>
           </a:p>
         </p:txBody>
       </p:sp>
@@ -4404,19 +4361,23 @@
   <p:clrMapOvr>
     <a:masterClrMapping/>
   </p:clrMapOvr>
-  <p:timing>
-    <p:tnLst>
-      <p:par>
-        <p:cTn id="1" dur="indefinite" restart="never" nodeType="tmRoot"/>
-      </p:par>
-    </p:tnLst>
-  </p:timing>
 </p:sld>
 </file>
 
 <file path=ppt/slides/slide4.xml><?xml version="1.0" encoding="utf-8"?>
 <p:sld xmlns:a="http://schemas.openxmlformats.org/drawingml/2006/main" xmlns:r="http://schemas.openxmlformats.org/officeDocument/2006/relationships" xmlns:p="http://schemas.openxmlformats.org/presentationml/2006/main">
   <p:cSld>
+    <p:bg>
+      <p:bgPr>
+        <a:solidFill>
+          <a:schemeClr val="bg1">
+            <a:lumMod val="85000"/>
+            <a:lumOff val="15000"/>
+          </a:schemeClr>
+        </a:solidFill>
+        <a:effectLst/>
+      </p:bgPr>
+    </p:bg>
     <p:spTree>
       <p:nvGrpSpPr>
         <p:cNvPr id="1" name=""/>
@@ -4431,6 +4392,82 @@
           <a:chExt cx="0" cy="0"/>
         </a:xfrm>
       </p:grpSpPr>
+      <p:sp useBgFill="1">
+        <p:nvSpPr>
+          <p:cNvPr id="17" name="Rectangle 16">
+            <a:extLst>
+              <a:ext uri="{FF2B5EF4-FFF2-40B4-BE49-F238E27FC236}">
+                <a16:creationId xmlns:a16="http://schemas.microsoft.com/office/drawing/2014/main" id="{BF02845A-8571-40C5-9F56-8F9B3F7C4E4C}"/>
+              </a:ext>
+              <a:ext uri="{C183D7F6-B498-43B3-948B-1728B52AA6E4}">
+                <adec:decorative xmlns:adec="http://schemas.microsoft.com/office/drawing/2017/decorative" val="1"/>
+              </a:ext>
+            </a:extLst>
+          </p:cNvPr>
+          <p:cNvSpPr>
+            <a:spLocks noGrp="1" noRot="1" noChangeAspect="1" noMove="1" noResize="1" noEditPoints="1" noAdjustHandles="1" noChangeArrowheads="1" noChangeShapeType="1" noTextEdit="1"/>
+          </p:cNvSpPr>
+          <p:nvPr>
+            <p:extLst>
+              <p:ext uri="{386F3935-93C4-4BCD-93E2-E3B085C9AB24}">
+                <p16:designElem xmlns:p16="http://schemas.microsoft.com/office/powerpoint/2015/main" val="1"/>
+              </p:ext>
+            </p:extLst>
+          </p:nvPr>
+        </p:nvSpPr>
+        <p:spPr>
+          <a:xfrm>
+            <a:off x="0" y="0"/>
+            <a:ext cx="12192000" cy="6858000"/>
+          </a:xfrm>
+          <a:prstGeom prst="rect">
+            <a:avLst/>
+          </a:prstGeom>
+          <a:ln w="12700" cap="flat" cmpd="sng" algn="ctr">
+            <a:noFill/>
+            <a:prstDash val="solid"/>
+            <a:miter lim="800000"/>
+          </a:ln>
+          <a:effectLst/>
+          <a:extLst>
+            <a:ext uri="{91240B29-F687-4F45-9708-019B960494DF}">
+              <a14:hiddenLine xmlns:a14="http://schemas.microsoft.com/office/drawing/2010/main" w="12700" cap="flat" cmpd="sng" algn="ctr">
+                <a:solidFill>
+                  <a:schemeClr val="accent1">
+                    <a:shade val="50000"/>
+                  </a:schemeClr>
+                </a:solidFill>
+                <a:prstDash val="solid"/>
+                <a:miter lim="800000"/>
+              </a14:hiddenLine>
+            </a:ext>
+          </a:extLst>
+        </p:spPr>
+        <p:style>
+          <a:lnRef idx="2">
+            <a:schemeClr val="accent1">
+              <a:shade val="50000"/>
+            </a:schemeClr>
+          </a:lnRef>
+          <a:fillRef idx="1">
+            <a:schemeClr val="accent1"/>
+          </a:fillRef>
+          <a:effectRef idx="0">
+            <a:schemeClr val="accent1"/>
+          </a:effectRef>
+          <a:fontRef idx="minor">
+            <a:schemeClr val="lt1"/>
+          </a:fontRef>
+        </p:style>
+        <p:txBody>
+          <a:bodyPr rtlCol="0" anchor="ctr"/>
+          <a:lstStyle/>
+          <a:p>
+            <a:pPr algn="ctr"/>
+            <a:endParaRPr lang="en-US"/>
+          </a:p>
+        </p:txBody>
+      </p:sp>
       <p:sp>
         <p:nvSpPr>
           <p:cNvPr id="2" name="Titel 1">
@@ -4447,48 +4484,189 @@
             <p:ph type="title"/>
           </p:nvPr>
         </p:nvSpPr>
-        <p:spPr/>
-        <p:txBody>
-          <a:bodyPr/>
+        <p:spPr>
+          <a:xfrm>
+            <a:off x="952500" y="885039"/>
+            <a:ext cx="5262778" cy="1570485"/>
+          </a:xfrm>
+        </p:spPr>
+        <p:txBody>
+          <a:bodyPr anchor="b">
+            <a:normAutofit/>
+          </a:bodyPr>
           <a:lstStyle/>
           <a:p>
             <a:r>
               <a:rPr lang="de-DE" dirty="0"/>
-              <a:t>Anbindung an die </a:t>
-            </a:r>
-            <a:r>
-              <a:rPr lang="de-DE" dirty="0" smtClean="0"/>
-              <a:t>Cloud (Tobi)</a:t>
+              <a:t>Anbindung an die Cloud</a:t>
+            </a:r>
+          </a:p>
+        </p:txBody>
+      </p:sp>
+      <p:sp>
+        <p:nvSpPr>
+          <p:cNvPr id="3" name="Inhaltsplatzhalter 2">
+            <a:extLst>
+              <a:ext uri="{FF2B5EF4-FFF2-40B4-BE49-F238E27FC236}">
+                <a16:creationId xmlns:a16="http://schemas.microsoft.com/office/drawing/2014/main" id="{67353FF8-E843-4C63-9AFD-CF209DC3A363}"/>
+              </a:ext>
+            </a:extLst>
+          </p:cNvPr>
+          <p:cNvSpPr>
+            <a:spLocks noGrp="1"/>
+          </p:cNvSpPr>
+          <p:nvPr>
+            <p:ph idx="1"/>
+          </p:nvPr>
+        </p:nvSpPr>
+        <p:spPr>
+          <a:xfrm>
+            <a:off x="952500" y="2813959"/>
+            <a:ext cx="5262778" cy="3159001"/>
+          </a:xfrm>
+        </p:spPr>
+        <p:txBody>
+          <a:bodyPr anchor="t">
+            <a:normAutofit/>
+          </a:bodyPr>
+          <a:lstStyle/>
+          <a:p>
+            <a:r>
+              <a:rPr lang="de-DE" dirty="0"/>
+              <a:t>MQTT an Broker</a:t>
+            </a:r>
+          </a:p>
+          <a:p>
+            <a:r>
+              <a:rPr lang="de-DE" dirty="0"/>
+              <a:t>Broker an Raspberry Pi </a:t>
+            </a:r>
+          </a:p>
+          <a:p>
+            <a:r>
+              <a:rPr lang="de-DE" dirty="0"/>
+              <a:t>Raspberry in </a:t>
+            </a:r>
+            <a:r>
+              <a:rPr lang="de-DE" dirty="0" err="1"/>
+              <a:t>Firebase</a:t>
+            </a:r>
+            <a:r>
+              <a:rPr lang="de-DE" dirty="0"/>
+              <a:t> RTDB</a:t>
+            </a:r>
+          </a:p>
+          <a:p>
+            <a:r>
+              <a:rPr lang="de-DE" dirty="0"/>
+              <a:t>Vue.js + Ionic + </a:t>
+            </a:r>
+            <a:r>
+              <a:rPr lang="de-DE" dirty="0" err="1"/>
+              <a:t>Capacitor</a:t>
+            </a:r>
+            <a:r>
+              <a:rPr lang="de-DE" dirty="0"/>
+              <a:t> </a:t>
+            </a:r>
+            <a:r>
+              <a:rPr lang="de-DE" dirty="0">
+                <a:sym typeface="Wingdings" panose="05000000000000000000" pitchFamily="2" charset="2"/>
+              </a:rPr>
+              <a:t> Cross Plattform Webapp</a:t>
             </a:r>
             <a:endParaRPr lang="de-DE" dirty="0"/>
           </a:p>
         </p:txBody>
       </p:sp>
-      <p:sp>
-        <p:nvSpPr>
-          <p:cNvPr id="3" name="Inhaltsplatzhalter 2">
-            <a:extLst>
-              <a:ext uri="{FF2B5EF4-FFF2-40B4-BE49-F238E27FC236}">
-                <a16:creationId xmlns:a16="http://schemas.microsoft.com/office/drawing/2014/main" id="{67353FF8-E843-4C63-9AFD-CF209DC3A363}"/>
-              </a:ext>
-            </a:extLst>
-          </p:cNvPr>
-          <p:cNvSpPr>
-            <a:spLocks noGrp="1"/>
-          </p:cNvSpPr>
-          <p:nvPr>
-            <p:ph idx="1"/>
-          </p:nvPr>
-        </p:nvSpPr>
-        <p:spPr/>
-        <p:txBody>
-          <a:bodyPr/>
-          <a:lstStyle/>
-          <a:p>
-            <a:endParaRPr lang="de-DE" dirty="0"/>
-          </a:p>
-        </p:txBody>
-      </p:sp>
+      <p:pic>
+        <p:nvPicPr>
+          <p:cNvPr id="5" name="Grafik 4" descr="Ein Bild, das Text, Monitor, Screenshot, Mobiltelefon enthält.&#10;&#10;Automatisch generierte Beschreibung">
+            <a:extLst>
+              <a:ext uri="{FF2B5EF4-FFF2-40B4-BE49-F238E27FC236}">
+                <a16:creationId xmlns:a16="http://schemas.microsoft.com/office/drawing/2014/main" id="{548522CE-CEEE-4208-A323-974C1C6A8DEA}"/>
+              </a:ext>
+            </a:extLst>
+          </p:cNvPr>
+          <p:cNvPicPr>
+            <a:picLocks noChangeAspect="1"/>
+          </p:cNvPicPr>
+          <p:nvPr/>
+        </p:nvPicPr>
+        <p:blipFill>
+          <a:blip r:embed="rId2">
+            <a:extLst>
+              <a:ext uri="{28A0092B-C50C-407E-A947-70E740481C1C}">
+                <a14:useLocalDpi xmlns:a14="http://schemas.microsoft.com/office/drawing/2010/main" val="0"/>
+              </a:ext>
+            </a:extLst>
+          </a:blip>
+          <a:stretch>
+            <a:fillRect/>
+          </a:stretch>
+        </p:blipFill>
+        <p:spPr>
+          <a:xfrm>
+            <a:off x="7511701" y="876301"/>
+            <a:ext cx="3144392" cy="4991100"/>
+          </a:xfrm>
+          <a:prstGeom prst="rect">
+            <a:avLst/>
+          </a:prstGeom>
+        </p:spPr>
+      </p:pic>
+      <p:cxnSp>
+        <p:nvCxnSpPr>
+          <p:cNvPr id="19" name="Straight Connector 18">
+            <a:extLst>
+              <a:ext uri="{FF2B5EF4-FFF2-40B4-BE49-F238E27FC236}">
+                <a16:creationId xmlns:a16="http://schemas.microsoft.com/office/drawing/2014/main" id="{F30BB598-81B4-41BB-BC44-CD9C29AE2EAB}"/>
+              </a:ext>
+              <a:ext uri="{C183D7F6-B498-43B3-948B-1728B52AA6E4}">
+                <adec:decorative xmlns:adec="http://schemas.microsoft.com/office/drawing/2017/decorative" val="1"/>
+              </a:ext>
+            </a:extLst>
+          </p:cNvPr>
+          <p:cNvCxnSpPr>
+            <a:cxnSpLocks noGrp="1" noRot="1" noChangeAspect="1" noMove="1" noResize="1" noEditPoints="1" noAdjustHandles="1" noChangeArrowheads="1" noChangeShapeType="1"/>
+          </p:cNvCxnSpPr>
+          <p:nvPr>
+            <p:extLst>
+              <p:ext uri="{386F3935-93C4-4BCD-93E2-E3B085C9AB24}">
+                <p16:designElem xmlns:p16="http://schemas.microsoft.com/office/powerpoint/2015/main" val="1"/>
+              </p:ext>
+            </p:extLst>
+          </p:nvPr>
+        </p:nvCxnSpPr>
+        <p:spPr>
+          <a:xfrm flipH="1">
+            <a:off x="954990" y="6283931"/>
+            <a:ext cx="10325100" cy="0"/>
+          </a:xfrm>
+          <a:prstGeom prst="line">
+            <a:avLst/>
+          </a:prstGeom>
+          <a:ln w="10795">
+            <a:solidFill>
+              <a:schemeClr val="tx2"/>
+            </a:solidFill>
+          </a:ln>
+        </p:spPr>
+        <p:style>
+          <a:lnRef idx="1">
+            <a:schemeClr val="accent1"/>
+          </a:lnRef>
+          <a:fillRef idx="0">
+            <a:schemeClr val="accent1"/>
+          </a:fillRef>
+          <a:effectRef idx="0">
+            <a:schemeClr val="accent1"/>
+          </a:effectRef>
+          <a:fontRef idx="minor">
+            <a:schemeClr val="tx1"/>
+          </a:fontRef>
+        </p:style>
+      </p:cxnSp>
     </p:spTree>
     <p:extLst>
       <p:ext uri="{BB962C8B-B14F-4D97-AF65-F5344CB8AC3E}">
@@ -4499,13 +4677,6 @@
   <p:clrMapOvr>
     <a:masterClrMapping/>
   </p:clrMapOvr>
-  <p:timing>
-    <p:tnLst>
-      <p:par>
-        <p:cTn id="1" dur="indefinite" restart="never" nodeType="tmRoot"/>
-      </p:par>
-    </p:tnLst>
-  </p:timing>
 </p:sld>
 </file>
 
@@ -4577,11 +4748,7 @@
           <a:p>
             <a:r>
               <a:rPr lang="de-DE" dirty="0"/>
-              <a:t>Ethanol-Sensor nicht </a:t>
-            </a:r>
-            <a:r>
-              <a:rPr lang="de-DE" dirty="0" smtClean="0"/>
-              <a:t>kalibriert -&gt; Vgl. mit kalibriertem Sensor</a:t>
+              <a:t>Ethanol-Sensor nicht kalibriert -&gt; Vgl. mit kalibriertem Sensor</a:t>
             </a:r>
           </a:p>
           <a:p>
@@ -4590,60 +4757,32 @@
           <a:p>
             <a:r>
               <a:rPr lang="de-DE" dirty="0"/>
-              <a:t>Aufbau </a:t>
-            </a:r>
-            <a:r>
-              <a:rPr lang="de-DE" dirty="0" smtClean="0"/>
-              <a:t>und Test mit </a:t>
-            </a:r>
+              <a:t>Aufbau und Test mit Wifi, dann Endgerät mit mobilem Netz</a:t>
+            </a:r>
+          </a:p>
+          <a:p>
+            <a:endParaRPr lang="de-DE" dirty="0"/>
+          </a:p>
+          <a:p>
             <a:r>
               <a:rPr lang="de-DE" dirty="0"/>
-              <a:t>Wifi, dann </a:t>
-            </a:r>
-            <a:r>
-              <a:rPr lang="de-DE" dirty="0" smtClean="0"/>
-              <a:t>Endgerät mit </a:t>
-            </a:r>
+              <a:t>Problem: Wann pustet jemand rein? -&gt; Taster einbauen</a:t>
+            </a:r>
+          </a:p>
+          <a:p>
+            <a:endParaRPr lang="de-DE" dirty="0"/>
+          </a:p>
+          <a:p>
             <a:r>
               <a:rPr lang="de-DE" dirty="0"/>
-              <a:t>mobilem </a:t>
-            </a:r>
-            <a:r>
-              <a:rPr lang="de-DE" dirty="0" smtClean="0"/>
-              <a:t>Netz</a:t>
-            </a:r>
-          </a:p>
-          <a:p>
-            <a:endParaRPr lang="de-DE" dirty="0" smtClean="0"/>
-          </a:p>
-          <a:p>
+              <a:t>Realtime </a:t>
+            </a:r>
+            <a:r>
+              <a:rPr lang="de-DE" dirty="0" err="1"/>
+              <a:t>Clock</a:t>
+            </a:r>
             <a:r>
               <a:rPr lang="de-DE" dirty="0"/>
-              <a:t>Problem: Wann pustet jemand rein</a:t>
-            </a:r>
-            <a:r>
-              <a:rPr lang="de-DE" dirty="0" smtClean="0"/>
-              <a:t>? -&gt; Taster </a:t>
-            </a:r>
-            <a:r>
-              <a:rPr lang="de-DE" dirty="0" smtClean="0"/>
-              <a:t>einbauen</a:t>
-            </a:r>
-          </a:p>
-          <a:p>
-            <a:endParaRPr lang="de-DE" dirty="0"/>
-          </a:p>
-          <a:p>
-            <a:r>
-              <a:rPr lang="de-DE" dirty="0" smtClean="0"/>
-              <a:t>Realtime </a:t>
-            </a:r>
-            <a:r>
-              <a:rPr lang="de-DE" dirty="0" err="1" smtClean="0"/>
-              <a:t>Clock</a:t>
-            </a:r>
-            <a:r>
-              <a:rPr lang="de-DE" dirty="0" smtClean="0"/>
               <a:t> (Wann wurde welcher Wert gemessen?)</a:t>
             </a:r>
           </a:p>
@@ -4659,13 +4798,6 @@
   <p:clrMapOvr>
     <a:masterClrMapping/>
   </p:clrMapOvr>
-  <p:timing>
-    <p:tnLst>
-      <p:par>
-        <p:cTn id="1" dur="indefinite" restart="never" nodeType="tmRoot"/>
-      </p:par>
-    </p:tnLst>
-  </p:timing>
 </p:sld>
 </file>
 
@@ -4702,10 +4834,9 @@
           <a:lstStyle/>
           <a:p>
             <a:r>
-              <a:rPr lang="de-DE" dirty="0" smtClean="0"/>
+              <a:rPr lang="de-DE" dirty="0"/>
               <a:t>Aufbau der Schaltung</a:t>
             </a:r>
-            <a:endParaRPr lang="de-DE" dirty="0"/>
           </a:p>
         </p:txBody>
       </p:sp>
@@ -4725,71 +4856,49 @@
           <a:lstStyle/>
           <a:p>
             <a:r>
-              <a:rPr lang="de-DE" dirty="0" smtClean="0"/>
-              <a:t>Box mit </a:t>
-            </a:r>
-            <a:r>
-              <a:rPr lang="de-DE" dirty="0" smtClean="0"/>
-              <a:t>Alkoholsensor (3D Drucker)</a:t>
-            </a:r>
-            <a:endParaRPr lang="de-DE" dirty="0" smtClean="0"/>
-          </a:p>
-          <a:p>
-            <a:r>
-              <a:rPr lang="de-DE" dirty="0" smtClean="0"/>
-              <a:t>Alkoholsensor VCC 5V -&gt; von </a:t>
-            </a:r>
-            <a:r>
-              <a:rPr lang="de-DE" dirty="0" smtClean="0"/>
-              <a:t>Mikrocontroller </a:t>
-            </a:r>
-            <a:r>
-              <a:rPr lang="de-DE" dirty="0" smtClean="0"/>
-              <a:t>abgreifen</a:t>
-            </a:r>
-          </a:p>
-          <a:p>
-            <a:r>
-              <a:rPr lang="de-DE" dirty="0" smtClean="0"/>
-              <a:t>Mikrocontroller </a:t>
-            </a:r>
-            <a:r>
-              <a:rPr lang="de-DE" dirty="0" smtClean="0"/>
-              <a:t>VCC 5V von Powerbank oder Li-Ion Akku mit </a:t>
-            </a:r>
-            <a:r>
-              <a:rPr lang="de-DE" dirty="0" err="1" smtClean="0"/>
+              <a:rPr lang="de-DE" dirty="0"/>
+              <a:t>Box mit Alkoholsensor (3D Drucker)</a:t>
+            </a:r>
+          </a:p>
+          <a:p>
+            <a:r>
+              <a:rPr lang="de-DE" dirty="0"/>
+              <a:t>Alkoholsensor VCC 5V -&gt; von Mikrocontroller abgreifen</a:t>
+            </a:r>
+          </a:p>
+          <a:p>
+            <a:r>
+              <a:rPr lang="de-DE" dirty="0"/>
+              <a:t>Mikrocontroller VCC 5V von Powerbank oder Li-Ion Akku mit </a:t>
+            </a:r>
+            <a:r>
+              <a:rPr lang="de-DE" dirty="0" err="1"/>
               <a:t>Boost</a:t>
             </a:r>
             <a:r>
-              <a:rPr lang="de-DE" dirty="0" smtClean="0"/>
+              <a:rPr lang="de-DE" dirty="0"/>
               <a:t> Converter -&gt; Besser Powerbank, da diese schon einen 5V USB Ausgang liefert</a:t>
             </a:r>
           </a:p>
           <a:p>
             <a:r>
-              <a:rPr lang="de-DE" dirty="0" smtClean="0"/>
+              <a:rPr lang="de-DE" dirty="0"/>
               <a:t>Alkoholsensor hat Digitalen und Analogen Output</a:t>
             </a:r>
           </a:p>
           <a:p>
             <a:r>
-              <a:rPr lang="de-DE" dirty="0" smtClean="0"/>
+              <a:rPr lang="de-DE" dirty="0"/>
               <a:t>Analogen Output an </a:t>
             </a:r>
             <a:r>
-              <a:rPr lang="de-DE" dirty="0" err="1" smtClean="0"/>
+              <a:rPr lang="de-DE" dirty="0" err="1"/>
               <a:t>Arduino</a:t>
             </a:r>
             <a:r>
-              <a:rPr lang="de-DE" dirty="0" smtClean="0"/>
-              <a:t> anschließen und Alkoholwert auf serielle Schnittstelle </a:t>
-            </a:r>
-            <a:r>
-              <a:rPr lang="de-DE" dirty="0" smtClean="0"/>
-              <a:t>ausgeben (oder LCD)</a:t>
-            </a:r>
-            <a:endParaRPr lang="de-DE" dirty="0" smtClean="0"/>
+              <a:rPr lang="de-DE" dirty="0"/>
+              <a:t> anschließen und Alkoholwert auf serielle Schnittstelle ausgeben (oder LCD)</a:t>
+            </a:r>
           </a:p>
         </p:txBody>
       </p:sp>
@@ -4803,13 +4912,6 @@
   <p:clrMapOvr>
     <a:masterClrMapping/>
   </p:clrMapOvr>
-  <p:timing>
-    <p:tnLst>
-      <p:par>
-        <p:cTn id="1" dur="indefinite" restart="never" nodeType="tmRoot"/>
-      </p:par>
-    </p:tnLst>
-  </p:timing>
 </p:sld>
 </file>
 
@@ -4848,10 +4950,9 @@
           <a:lstStyle/>
           <a:p>
             <a:r>
-              <a:rPr lang="de-DE" dirty="0" smtClean="0"/>
+              <a:rPr lang="de-DE" dirty="0"/>
               <a:t>Aufbau der Schaltung</a:t>
             </a:r>
-            <a:endParaRPr lang="de-DE" dirty="0"/>
           </a:p>
         </p:txBody>
       </p:sp>
@@ -5252,10 +5353,9 @@
           <a:lstStyle/>
           <a:p>
             <a:r>
-              <a:rPr lang="de-DE" dirty="0" smtClean="0"/>
+              <a:rPr lang="de-DE" dirty="0"/>
               <a:t>Powerbank</a:t>
             </a:r>
-            <a:endParaRPr lang="de-DE" dirty="0"/>
           </a:p>
         </p:txBody>
       </p:sp>
@@ -5281,10 +5381,9 @@
           <a:lstStyle/>
           <a:p>
             <a:r>
-              <a:rPr lang="de-DE" dirty="0" smtClean="0"/>
+              <a:rPr lang="de-DE" dirty="0"/>
               <a:t>Mikrocontroller</a:t>
             </a:r>
-            <a:endParaRPr lang="de-DE" dirty="0"/>
           </a:p>
         </p:txBody>
       </p:sp>
@@ -5310,10 +5409,9 @@
           <a:lstStyle/>
           <a:p>
             <a:r>
-              <a:rPr lang="de-DE" dirty="0" smtClean="0"/>
+              <a:rPr lang="de-DE" dirty="0"/>
               <a:t>Alkoholsensor</a:t>
             </a:r>
-            <a:endParaRPr lang="de-DE" dirty="0"/>
           </a:p>
         </p:txBody>
       </p:sp>
@@ -5339,10 +5437,9 @@
           <a:lstStyle/>
           <a:p>
             <a:r>
-              <a:rPr lang="de-DE" dirty="0" smtClean="0"/>
+              <a:rPr lang="de-DE" dirty="0"/>
               <a:t>Cloud</a:t>
             </a:r>
-            <a:endParaRPr lang="de-DE" dirty="0"/>
           </a:p>
         </p:txBody>
       </p:sp>
@@ -5368,10 +5465,9 @@
           <a:lstStyle/>
           <a:p>
             <a:r>
-              <a:rPr lang="de-DE" dirty="0" smtClean="0"/>
+              <a:rPr lang="de-DE" dirty="0"/>
               <a:t>App</a:t>
             </a:r>
-            <a:endParaRPr lang="de-DE" dirty="0"/>
           </a:p>
         </p:txBody>
       </p:sp>
@@ -5397,11 +5493,11 @@
           <a:lstStyle/>
           <a:p>
             <a:r>
-              <a:rPr lang="de-DE" dirty="0" smtClean="0"/>
+              <a:rPr lang="de-DE" dirty="0"/>
               <a:t>Alexa-</a:t>
             </a:r>
             <a:r>
-              <a:rPr lang="de-DE" dirty="0" err="1" smtClean="0"/>
+              <a:rPr lang="de-DE" dirty="0" err="1"/>
               <a:t>Skill</a:t>
             </a:r>
             <a:endParaRPr lang="de-DE" dirty="0"/>
@@ -5418,13 +5514,6 @@
   <p:clrMapOvr>
     <a:masterClrMapping/>
   </p:clrMapOvr>
-  <p:timing>
-    <p:tnLst>
-      <p:par>
-        <p:cTn id="1" dur="indefinite" restart="never" nodeType="tmRoot"/>
-      </p:par>
-    </p:tnLst>
-  </p:timing>
 </p:sld>
 </file>
 
@@ -5501,7 +5590,7 @@
                 <a14:useLocalDpi xmlns:a14="http://schemas.microsoft.com/office/drawing/2010/main" val="0"/>
               </a:ext>
               <a:ext uri="{96DAC541-7B7A-43D3-8B79-37D633B846F1}">
-                <asvg:svgBlip xmlns="" xmlns:asvg="http://schemas.microsoft.com/office/drawing/2016/SVG/main" r:embed="rId3"/>
+                <asvg:svgBlip xmlns:asvg="http://schemas.microsoft.com/office/drawing/2016/SVG/main" r:embed="rId3"/>
               </a:ext>
             </a:extLst>
           </a:blip>
@@ -5560,13 +5649,8 @@
             <a:pPr algn="ctr"/>
             <a:r>
               <a:rPr lang="de-DE" dirty="0"/>
-              <a:t>Alexa, </a:t>
-            </a:r>
-            <a:r>
-              <a:rPr lang="de-DE" dirty="0" smtClean="0"/>
-              <a:t>wann kann ich wieder Auto fahren?</a:t>
-            </a:r>
-            <a:endParaRPr lang="de-DE" dirty="0"/>
+              <a:t>Alexa, wann kann ich wieder Auto fahren?</a:t>
+            </a:r>
           </a:p>
         </p:txBody>
       </p:sp>
@@ -5694,13 +5778,8 @@
             <a:pPr algn="ctr"/>
             <a:r>
               <a:rPr lang="de-DE" dirty="0"/>
-              <a:t>Alexa, </a:t>
-            </a:r>
-            <a:r>
-              <a:rPr lang="de-DE" dirty="0" smtClean="0"/>
-              <a:t>was hilft gegen einen Kater?</a:t>
-            </a:r>
-            <a:endParaRPr lang="de-DE" dirty="0"/>
+              <a:t>Alexa, was hilft gegen einen Kater?</a:t>
+            </a:r>
           </a:p>
         </p:txBody>
       </p:sp>
@@ -5748,13 +5827,8 @@
             <a:pPr algn="ctr"/>
             <a:r>
               <a:rPr lang="de-DE" dirty="0"/>
-              <a:t>Alexa, </a:t>
-            </a:r>
-            <a:r>
-              <a:rPr lang="de-DE" dirty="0" smtClean="0"/>
-              <a:t>wie viel Promille habe ich?</a:t>
-            </a:r>
-            <a:endParaRPr lang="de-DE" dirty="0"/>
+              <a:t>Alexa, wie viel Promille habe ich?</a:t>
+            </a:r>
           </a:p>
         </p:txBody>
       </p:sp>
@@ -5768,13 +5842,6 @@
   <p:clrMapOvr>
     <a:masterClrMapping/>
   </p:clrMapOvr>
-  <p:timing>
-    <p:tnLst>
-      <p:par>
-        <p:cTn id="1" dur="indefinite" restart="never" nodeType="tmRoot"/>
-      </p:par>
-    </p:tnLst>
-  </p:timing>
 </p:sld>
 </file>
 
@@ -5811,92 +5878,82 @@
           <a:lstStyle/>
           <a:p>
             <a:r>
-              <a:rPr lang="de-DE" dirty="0" smtClean="0"/>
+              <a:rPr lang="de-DE" dirty="0"/>
               <a:t>Arbeitsaufteilung / Verantwortliche</a:t>
             </a:r>
+          </a:p>
+        </p:txBody>
+      </p:sp>
+      <p:sp>
+        <p:nvSpPr>
+          <p:cNvPr id="3" name="Inhaltsplatzhalter 2"/>
+          <p:cNvSpPr>
+            <a:spLocks noGrp="1"/>
+          </p:cNvSpPr>
+          <p:nvPr>
+            <p:ph idx="1"/>
+          </p:nvPr>
+        </p:nvSpPr>
+        <p:spPr/>
+        <p:txBody>
+          <a:bodyPr/>
+          <a:lstStyle/>
+          <a:p>
+            <a:r>
+              <a:rPr lang="de-DE" dirty="0"/>
+              <a:t>Hardwareanbindung : </a:t>
+            </a:r>
+            <a:r>
+              <a:rPr lang="de-DE" dirty="0" err="1"/>
+              <a:t>Simmi</a:t>
+            </a:r>
+            <a:r>
+              <a:rPr lang="de-DE" dirty="0"/>
+              <a:t> </a:t>
+            </a:r>
+          </a:p>
+          <a:p>
             <a:endParaRPr lang="de-DE" dirty="0"/>
           </a:p>
-        </p:txBody>
-      </p:sp>
-      <p:sp>
-        <p:nvSpPr>
-          <p:cNvPr id="3" name="Inhaltsplatzhalter 2"/>
-          <p:cNvSpPr>
-            <a:spLocks noGrp="1"/>
-          </p:cNvSpPr>
-          <p:nvPr>
-            <p:ph idx="1"/>
-          </p:nvPr>
-        </p:nvSpPr>
-        <p:spPr/>
-        <p:txBody>
-          <a:bodyPr/>
-          <a:lstStyle/>
-          <a:p>
-            <a:r>
-              <a:rPr lang="de-DE" dirty="0" smtClean="0"/>
-              <a:t>Hardwareanbindung : </a:t>
-            </a:r>
-            <a:r>
-              <a:rPr lang="de-DE" dirty="0" err="1" smtClean="0"/>
-              <a:t>Simmi</a:t>
-            </a:r>
-            <a:r>
-              <a:rPr lang="de-DE" dirty="0" smtClean="0"/>
-              <a:t> </a:t>
-            </a:r>
-          </a:p>
-          <a:p>
-            <a:endParaRPr lang="de-DE" dirty="0" smtClean="0"/>
-          </a:p>
-          <a:p>
-            <a:r>
-              <a:rPr lang="de-DE" dirty="0" smtClean="0"/>
-              <a:t>App / Cloud : </a:t>
-            </a:r>
-            <a:r>
-              <a:rPr lang="de-DE" dirty="0" smtClean="0"/>
-              <a:t>Tobi</a:t>
-            </a:r>
-          </a:p>
-          <a:p>
-            <a:endParaRPr lang="de-DE" dirty="0" smtClean="0"/>
-          </a:p>
-          <a:p>
-            <a:r>
-              <a:rPr lang="de-DE" dirty="0" smtClean="0"/>
+          <a:p>
+            <a:r>
+              <a:rPr lang="de-DE" dirty="0"/>
+              <a:t>App / Cloud : Tobi</a:t>
+            </a:r>
+          </a:p>
+          <a:p>
+            <a:endParaRPr lang="de-DE" dirty="0"/>
+          </a:p>
+          <a:p>
+            <a:r>
+              <a:rPr lang="de-DE" dirty="0"/>
               <a:t>Alexa </a:t>
             </a:r>
             <a:r>
-              <a:rPr lang="de-DE" dirty="0" err="1" smtClean="0"/>
+              <a:rPr lang="de-DE" dirty="0" err="1"/>
               <a:t>Skill</a:t>
             </a:r>
             <a:r>
-              <a:rPr lang="de-DE" dirty="0" smtClean="0"/>
-              <a:t>: </a:t>
-            </a:r>
-            <a:r>
-              <a:rPr lang="de-DE" dirty="0" smtClean="0"/>
-              <a:t>Diego</a:t>
-            </a:r>
-          </a:p>
-          <a:p>
-            <a:endParaRPr lang="de-DE" dirty="0" smtClean="0"/>
-          </a:p>
-          <a:p>
-            <a:r>
-              <a:rPr lang="de-DE" dirty="0" smtClean="0"/>
+              <a:rPr lang="de-DE" dirty="0"/>
+              <a:t>: Diego</a:t>
+            </a:r>
+          </a:p>
+          <a:p>
+            <a:endParaRPr lang="de-DE" dirty="0"/>
+          </a:p>
+          <a:p>
+            <a:r>
+              <a:rPr lang="de-DE" dirty="0"/>
               <a:t>GSM </a:t>
             </a:r>
             <a:r>
-              <a:rPr lang="de-DE" dirty="0" err="1" smtClean="0"/>
+              <a:rPr lang="de-DE" dirty="0" err="1"/>
               <a:t>Shield</a:t>
             </a:r>
             <a:r>
-              <a:rPr lang="de-DE" dirty="0" smtClean="0"/>
+              <a:rPr lang="de-DE" dirty="0"/>
               <a:t>: Jonas</a:t>
             </a:r>
-            <a:endParaRPr lang="de-DE" dirty="0"/>
           </a:p>
         </p:txBody>
       </p:sp>
@@ -5910,13 +5967,6 @@
   <p:clrMapOvr>
     <a:masterClrMapping/>
   </p:clrMapOvr>
-  <p:timing>
-    <p:tnLst>
-      <p:par>
-        <p:cTn id="1" dur="indefinite" restart="never" nodeType="tmRoot"/>
-      </p:par>
-    </p:tnLst>
-  </p:timing>
 </p:sld>
 </file>
 
